--- a/talks/2010/2010workshop/incat.pptx
+++ b/talks/2010/2010workshop/incat.pptx
@@ -478,7 +478,7 @@
         <p:nvSpPr>
           <p:cNvPr id="6148" name="Rectangle 4"/>
           <p:cNvSpPr>
-            <a:spLocks noChangeArrowheads="1" noTextEdit="1"/>
+            <a:spLocks noGrp="1" noRot="1" noChangeAspect="1" noChangeArrowheads="1" noTextEdit="1"/>
           </p:cNvSpPr>
           <p:nvPr>
             <p:ph type="sldImg" idx="2"/>
@@ -838,7 +838,7 @@
         <p:nvSpPr>
           <p:cNvPr id="14338" name="Rectangle 2"/>
           <p:cNvSpPr>
-            <a:spLocks noChangeArrowheads="1" noTextEdit="1"/>
+            <a:spLocks noGrp="1" noRot="1" noChangeAspect="1" noChangeArrowheads="1" noTextEdit="1"/>
           </p:cNvSpPr>
           <p:nvPr>
             <p:ph type="sldImg"/>
@@ -926,7 +926,7 @@
         <p:nvSpPr>
           <p:cNvPr id="274434" name="Rectangle 2"/>
           <p:cNvSpPr>
-            <a:spLocks noChangeArrowheads="1"/>
+            <a:spLocks noGrp="1" noRot="1" noChangeAspect="1" noChangeArrowheads="1"/>
           </p:cNvSpPr>
           <p:nvPr>
             <p:ph type="sldImg"/>
@@ -957,7 +957,7 @@
         <p:nvSpPr>
           <p:cNvPr id="274435" name="Rectangle 3"/>
           <p:cNvSpPr>
-            <a:spLocks noChangeArrowheads="1"/>
+            <a:spLocks noGrp="1" noChangeArrowheads="1"/>
           </p:cNvSpPr>
           <p:nvPr>
             <p:ph type="body" idx="1"/>
@@ -1050,7 +1050,7 @@
         <p:nvSpPr>
           <p:cNvPr id="278530" name="Rectangle 2"/>
           <p:cNvSpPr>
-            <a:spLocks noChangeArrowheads="1"/>
+            <a:spLocks noGrp="1" noRot="1" noChangeAspect="1" noChangeArrowheads="1"/>
           </p:cNvSpPr>
           <p:nvPr>
             <p:ph type="sldImg"/>
@@ -1081,7 +1081,7 @@
         <p:nvSpPr>
           <p:cNvPr id="278531" name="Rectangle 3"/>
           <p:cNvSpPr>
-            <a:spLocks noChangeArrowheads="1"/>
+            <a:spLocks noGrp="1" noChangeArrowheads="1"/>
           </p:cNvSpPr>
           <p:nvPr>
             <p:ph type="body" idx="1"/>
@@ -1174,7 +1174,7 @@
         <p:nvSpPr>
           <p:cNvPr id="296962" name="Rectangle 2"/>
           <p:cNvSpPr>
-            <a:spLocks noChangeArrowheads="1"/>
+            <a:spLocks noGrp="1" noRot="1" noChangeAspect="1" noChangeArrowheads="1"/>
           </p:cNvSpPr>
           <p:nvPr>
             <p:ph type="sldImg"/>
@@ -1205,7 +1205,7 @@
         <p:nvSpPr>
           <p:cNvPr id="296963" name="Rectangle 3"/>
           <p:cNvSpPr>
-            <a:spLocks noChangeArrowheads="1"/>
+            <a:spLocks noGrp="1" noChangeArrowheads="1"/>
           </p:cNvSpPr>
           <p:nvPr>
             <p:ph type="body" idx="1"/>
@@ -1298,7 +1298,7 @@
         <p:nvSpPr>
           <p:cNvPr id="280578" name="Rectangle 2"/>
           <p:cNvSpPr>
-            <a:spLocks noChangeArrowheads="1"/>
+            <a:spLocks noGrp="1" noRot="1" noChangeAspect="1" noChangeArrowheads="1"/>
           </p:cNvSpPr>
           <p:nvPr>
             <p:ph type="sldImg"/>
@@ -1329,7 +1329,7 @@
         <p:nvSpPr>
           <p:cNvPr id="280579" name="Rectangle 3"/>
           <p:cNvSpPr>
-            <a:spLocks noChangeArrowheads="1"/>
+            <a:spLocks noGrp="1" noChangeArrowheads="1"/>
           </p:cNvSpPr>
           <p:nvPr>
             <p:ph type="body" idx="1"/>
@@ -1422,7 +1422,7 @@
         <p:nvSpPr>
           <p:cNvPr id="282626" name="Rectangle 2"/>
           <p:cNvSpPr>
-            <a:spLocks noChangeArrowheads="1"/>
+            <a:spLocks noGrp="1" noRot="1" noChangeAspect="1" noChangeArrowheads="1"/>
           </p:cNvSpPr>
           <p:nvPr>
             <p:ph type="sldImg"/>
@@ -1453,7 +1453,7 @@
         <p:nvSpPr>
           <p:cNvPr id="282627" name="Rectangle 3"/>
           <p:cNvSpPr>
-            <a:spLocks noChangeArrowheads="1"/>
+            <a:spLocks noGrp="1" noChangeArrowheads="1"/>
           </p:cNvSpPr>
           <p:nvPr>
             <p:ph type="body" idx="1"/>
@@ -1546,7 +1546,7 @@
         <p:nvSpPr>
           <p:cNvPr id="301058" name="Rectangle 2"/>
           <p:cNvSpPr>
-            <a:spLocks noChangeArrowheads="1" noTextEdit="1"/>
+            <a:spLocks noGrp="1" noRot="1" noChangeAspect="1" noChangeArrowheads="1" noTextEdit="1"/>
           </p:cNvSpPr>
           <p:nvPr>
             <p:ph type="sldImg"/>
@@ -1630,7 +1630,7 @@
         <p:nvSpPr>
           <p:cNvPr id="290818" name="Rectangle 2"/>
           <p:cNvSpPr>
-            <a:spLocks noChangeArrowheads="1"/>
+            <a:spLocks noGrp="1" noRot="1" noChangeAspect="1" noChangeArrowheads="1"/>
           </p:cNvSpPr>
           <p:nvPr>
             <p:ph type="sldImg"/>
@@ -1661,7 +1661,7 @@
         <p:nvSpPr>
           <p:cNvPr id="290819" name="Rectangle 3"/>
           <p:cNvSpPr>
-            <a:spLocks noChangeArrowheads="1"/>
+            <a:spLocks noGrp="1" noChangeArrowheads="1"/>
           </p:cNvSpPr>
           <p:nvPr>
             <p:ph type="body" idx="1"/>
@@ -1726,6 +1726,88 @@
       </p:grpSpPr>
       <p:sp>
         <p:nvSpPr>
+          <p:cNvPr id="2" name="Slide Image Placeholder 1"/>
+          <p:cNvSpPr>
+            <a:spLocks noGrp="1" noRot="1" noChangeAspect="1"/>
+          </p:cNvSpPr>
+          <p:nvPr>
+            <p:ph type="sldImg"/>
+          </p:nvPr>
+        </p:nvSpPr>
+        <p:spPr/>
+      </p:sp>
+      <p:sp>
+        <p:nvSpPr>
+          <p:cNvPr id="3" name="Notes Placeholder 2"/>
+          <p:cNvSpPr>
+            <a:spLocks noGrp="1"/>
+          </p:cNvSpPr>
+          <p:nvPr>
+            <p:ph type="body" idx="1"/>
+          </p:nvPr>
+        </p:nvSpPr>
+        <p:spPr/>
+        <p:txBody>
+          <a:bodyPr>
+            <a:normAutofit/>
+          </a:bodyPr>
+          <a:lstStyle/>
+          <a:p>
+            <a:endParaRPr lang="en-US" dirty="0"/>
+          </a:p>
+        </p:txBody>
+      </p:sp>
+      <p:sp>
+        <p:nvSpPr>
+          <p:cNvPr id="4" name="Slide Number Placeholder 3"/>
+          <p:cNvSpPr>
+            <a:spLocks noGrp="1"/>
+          </p:cNvSpPr>
+          <p:nvPr>
+            <p:ph type="sldNum" sz="quarter" idx="10"/>
+          </p:nvPr>
+        </p:nvSpPr>
+        <p:spPr/>
+        <p:txBody>
+          <a:bodyPr/>
+          <a:lstStyle/>
+          <a:p>
+            <a:fld id="{07ACC795-881A-EB49-94F6-3E7728AA4838}" type="slidenum">
+              <a:rPr lang="en-US" smtClean="0"/>
+              <a:pPr/>
+              <a:t>17</a:t>
+            </a:fld>
+            <a:endParaRPr lang="en-US"/>
+          </a:p>
+        </p:txBody>
+      </p:sp>
+    </p:spTree>
+  </p:cSld>
+  <p:clrMapOvr>
+    <a:masterClrMapping/>
+  </p:clrMapOvr>
+</p:notes>
+</file>
+
+<file path=ppt/notesSlides/notesSlide18.xml><?xml version="1.0" encoding="utf-8"?>
+<p:notes xmlns:a="http://schemas.openxmlformats.org/drawingml/2006/main" xmlns:r="http://schemas.openxmlformats.org/officeDocument/2006/relationships" xmlns:mc="http://schemas.openxmlformats.org/markup-compatibility/2006" xmlns:mv="urn:schemas-microsoft-com:mac:vml" xmlns:p="http://schemas.openxmlformats.org/presentationml/2006/main" mc:Ignorable="mv" mc:PreserveAttributes="mv:*">
+  <p:cSld>
+    <p:spTree>
+      <p:nvGrpSpPr>
+        <p:cNvPr id="1" name=""/>
+        <p:cNvGrpSpPr/>
+        <p:nvPr/>
+      </p:nvGrpSpPr>
+      <p:grpSpPr>
+        <a:xfrm>
+          <a:off x="0" y="0"/>
+          <a:ext cx="0" cy="0"/>
+          <a:chOff x="0" y="0"/>
+          <a:chExt cx="0" cy="0"/>
+        </a:xfrm>
+      </p:grpSpPr>
+      <p:sp>
+        <p:nvSpPr>
           <p:cNvPr id="7" name="Rectangle 7"/>
           <p:cNvSpPr>
             <a:spLocks noGrp="1" noChangeArrowheads="1"/>
@@ -1754,7 +1836,7 @@
         <p:nvSpPr>
           <p:cNvPr id="312322" name="Rectangle 2"/>
           <p:cNvSpPr>
-            <a:spLocks noChangeArrowheads="1"/>
+            <a:spLocks noGrp="1" noRot="1" noChangeAspect="1" noChangeArrowheads="1"/>
           </p:cNvSpPr>
           <p:nvPr>
             <p:ph type="sldImg"/>
@@ -1785,7 +1867,7 @@
         <p:nvSpPr>
           <p:cNvPr id="312323" name="Rectangle 3"/>
           <p:cNvSpPr>
-            <a:spLocks noChangeArrowheads="1"/>
+            <a:spLocks noGrp="1" noChangeArrowheads="1"/>
           </p:cNvSpPr>
           <p:nvPr>
             <p:ph type="body" idx="1"/>
@@ -1881,7 +1963,7 @@
         <p:nvSpPr>
           <p:cNvPr id="310274" name="Rectangle 2"/>
           <p:cNvSpPr>
-            <a:spLocks noChangeArrowheads="1"/>
+            <a:spLocks noGrp="1" noRot="1" noChangeAspect="1" noChangeArrowheads="1"/>
           </p:cNvSpPr>
           <p:nvPr>
             <p:ph type="sldImg"/>
@@ -1912,7 +1994,7 @@
         <p:nvSpPr>
           <p:cNvPr id="310275" name="Rectangle 3"/>
           <p:cNvSpPr>
-            <a:spLocks noChangeArrowheads="1"/>
+            <a:spLocks noGrp="1" noChangeArrowheads="1"/>
           </p:cNvSpPr>
           <p:nvPr>
             <p:ph type="body" idx="1"/>
@@ -2008,7 +2090,7 @@
         <p:nvSpPr>
           <p:cNvPr id="195586" name="Rectangle 2"/>
           <p:cNvSpPr>
-            <a:spLocks noChangeArrowheads="1" noTextEdit="1"/>
+            <a:spLocks noGrp="1" noRot="1" noChangeAspect="1" noChangeArrowheads="1" noTextEdit="1"/>
           </p:cNvSpPr>
           <p:nvPr>
             <p:ph type="sldImg"/>
@@ -2101,7 +2183,7 @@
         <p:nvSpPr>
           <p:cNvPr id="227330" name="Rectangle 2"/>
           <p:cNvSpPr>
-            <a:spLocks noChangeArrowheads="1" noTextEdit="1"/>
+            <a:spLocks noGrp="1" noRot="1" noChangeAspect="1" noChangeArrowheads="1" noTextEdit="1"/>
           </p:cNvSpPr>
           <p:nvPr>
             <p:ph type="sldImg"/>
@@ -2185,7 +2267,7 @@
         <p:nvSpPr>
           <p:cNvPr id="266242" name="Rectangle 2"/>
           <p:cNvSpPr>
-            <a:spLocks noChangeArrowheads="1"/>
+            <a:spLocks noGrp="1" noRot="1" noChangeAspect="1" noChangeArrowheads="1"/>
           </p:cNvSpPr>
           <p:nvPr>
             <p:ph type="sldImg"/>
@@ -2216,7 +2298,7 @@
         <p:nvSpPr>
           <p:cNvPr id="266243" name="Rectangle 3"/>
           <p:cNvSpPr>
-            <a:spLocks noChangeArrowheads="1"/>
+            <a:spLocks noGrp="1" noChangeArrowheads="1"/>
           </p:cNvSpPr>
           <p:nvPr>
             <p:ph type="body" idx="1"/>
@@ -2309,7 +2391,7 @@
         <p:nvSpPr>
           <p:cNvPr id="292866" name="Rectangle 2"/>
           <p:cNvSpPr>
-            <a:spLocks noChangeArrowheads="1"/>
+            <a:spLocks noGrp="1" noRot="1" noChangeAspect="1" noChangeArrowheads="1"/>
           </p:cNvSpPr>
           <p:nvPr>
             <p:ph type="sldImg"/>
@@ -2340,7 +2422,7 @@
         <p:nvSpPr>
           <p:cNvPr id="292867" name="Rectangle 3"/>
           <p:cNvSpPr>
-            <a:spLocks noChangeArrowheads="1"/>
+            <a:spLocks noGrp="1" noChangeArrowheads="1"/>
           </p:cNvSpPr>
           <p:nvPr>
             <p:ph type="body" idx="1"/>
@@ -2433,7 +2515,7 @@
         <p:nvSpPr>
           <p:cNvPr id="272386" name="Rectangle 2"/>
           <p:cNvSpPr>
-            <a:spLocks noChangeArrowheads="1"/>
+            <a:spLocks noGrp="1" noRot="1" noChangeAspect="1" noChangeArrowheads="1"/>
           </p:cNvSpPr>
           <p:nvPr>
             <p:ph type="sldImg"/>
@@ -2464,7 +2546,7 @@
         <p:nvSpPr>
           <p:cNvPr id="272387" name="Rectangle 3"/>
           <p:cNvSpPr>
-            <a:spLocks noChangeArrowheads="1"/>
+            <a:spLocks noGrp="1" noChangeArrowheads="1"/>
           </p:cNvSpPr>
           <p:nvPr>
             <p:ph type="body" idx="1"/>
@@ -2557,7 +2639,7 @@
         <p:nvSpPr>
           <p:cNvPr id="270338" name="Rectangle 2"/>
           <p:cNvSpPr>
-            <a:spLocks noChangeArrowheads="1"/>
+            <a:spLocks noGrp="1" noRot="1" noChangeAspect="1" noChangeArrowheads="1"/>
           </p:cNvSpPr>
           <p:nvPr>
             <p:ph type="sldImg"/>
@@ -2588,7 +2670,7 @@
         <p:nvSpPr>
           <p:cNvPr id="270339" name="Rectangle 3"/>
           <p:cNvSpPr>
-            <a:spLocks noChangeArrowheads="1"/>
+            <a:spLocks noGrp="1" noChangeArrowheads="1"/>
           </p:cNvSpPr>
           <p:nvPr>
             <p:ph type="body" idx="1"/>
@@ -2681,7 +2763,7 @@
         <p:nvSpPr>
           <p:cNvPr id="307202" name="Rectangle 1026"/>
           <p:cNvSpPr>
-            <a:spLocks noChangeArrowheads="1"/>
+            <a:spLocks noGrp="1" noRot="1" noChangeAspect="1" noChangeArrowheads="1"/>
           </p:cNvSpPr>
           <p:nvPr>
             <p:ph type="sldImg"/>
@@ -2712,7 +2794,7 @@
         <p:nvSpPr>
           <p:cNvPr id="307203" name="Rectangle 1027"/>
           <p:cNvSpPr>
-            <a:spLocks noChangeArrowheads="1"/>
+            <a:spLocks noGrp="1" noChangeArrowheads="1"/>
           </p:cNvSpPr>
           <p:nvPr>
             <p:ph type="body" idx="1"/>
@@ -5167,12 +5249,18 @@
           <a:lstStyle/>
           <a:p>
             <a:r>
-              <a:rPr lang="en-US" i="0">
-                <a:latin typeface="Times New Roman" charset="0"/>
-              </a:rPr>
-              <a:t>Administering Inca with incat</a:t>
-            </a:r>
-            <a:endParaRPr lang="en-US">
+              <a:rPr lang="en-US" i="0" dirty="0">
+                <a:latin typeface="Times New Roman" charset="0"/>
+              </a:rPr>
+              <a:t>Administering Inca with </a:t>
+            </a:r>
+            <a:r>
+              <a:rPr lang="en-US" i="0" dirty="0" err="1">
+                <a:latin typeface="Times New Roman" charset="0"/>
+              </a:rPr>
+              <a:t>incat</a:t>
+            </a:r>
+            <a:endParaRPr lang="en-US" dirty="0">
               <a:latin typeface="Times New Roman" charset="0"/>
             </a:endParaRPr>
           </a:p>
@@ -7079,7 +7167,7 @@
           </p:nvPr>
         </p:nvPicPr>
         <p:blipFill>
-          <a:blip r:embed="rId2"/>
+          <a:blip r:embed="rId3"/>
           <a:srcRect t="-16078" b="-16078"/>
           <a:stretch>
             <a:fillRect/>
@@ -7101,7 +7189,7 @@
           <p:nvPr/>
         </p:nvPicPr>
         <p:blipFill>
-          <a:blip r:embed="rId3"/>
+          <a:blip r:embed="rId4"/>
           <a:stretch>
             <a:fillRect/>
           </a:stretch>
@@ -7152,9 +7240,9 @@
         </p:nvGrpSpPr>
         <p:grpSpPr bwMode="auto">
           <a:xfrm>
-            <a:off x="4965851" y="1193835"/>
+            <a:off x="4965851" y="927116"/>
             <a:ext cx="3818929" cy="1569546"/>
-            <a:chOff x="2192" y="162"/>
+            <a:chOff x="2192" y="-401"/>
             <a:chExt cx="3269" cy="3313"/>
           </a:xfrm>
         </p:grpSpPr>
@@ -7168,7 +7256,7 @@
           </p:nvSpPr>
           <p:spPr bwMode="auto">
             <a:xfrm>
-              <a:off x="3866" y="162"/>
+              <a:off x="3866" y="-401"/>
               <a:ext cx="1595" cy="3313"/>
             </a:xfrm>
             <a:prstGeom prst="rect">
@@ -7226,19 +7314,7 @@
                 <a:rPr lang="en-US" sz="1600" dirty="0" smtClean="0">
                   <a:latin typeface="Times New Roman" charset="0"/>
                 </a:rPr>
-                <a:t>macro specifying </a:t>
-              </a:r>
-              <a:r>
-                <a:rPr lang="en-US" sz="1600" dirty="0" smtClean="0">
-                  <a:latin typeface="Times New Roman" charset="0"/>
-                </a:rPr>
-                <a:t>batch wrapper,</a:t>
-              </a:r>
-              <a:r>
-                <a:rPr lang="en-US" sz="1600" dirty="0" smtClean="0">
-                  <a:latin typeface="Times New Roman" charset="0"/>
-                </a:rPr>
-                <a:t> scheduler type, and special submit </a:t>
+                <a:t>macro specifying batch wrapper, scheduler type, and special submit </a:t>
               </a:r>
               <a:r>
                 <a:rPr lang="en-US" sz="1600" dirty="0" err="1" smtClean="0">
@@ -7502,6 +7578,84 @@
           </p:txBody>
         </p:sp>
       </p:grpSp>
+      <p:sp>
+        <p:nvSpPr>
+          <p:cNvPr id="18" name="TextBox 17"/>
+          <p:cNvSpPr txBox="1"/>
+          <p:nvPr/>
+        </p:nvSpPr>
+        <p:spPr>
+          <a:xfrm>
+            <a:off x="1460500" y="2489200"/>
+            <a:ext cx="5549900" cy="276999"/>
+          </a:xfrm>
+          <a:prstGeom prst="rect">
+            <a:avLst/>
+          </a:prstGeom>
+          <a:solidFill>
+            <a:schemeClr val="bg1"/>
+          </a:solidFill>
+          <a:ln>
+            <a:solidFill>
+              <a:srgbClr val="000090"/>
+            </a:solidFill>
+          </a:ln>
+        </p:spPr>
+        <p:txBody>
+          <a:bodyPr wrap="square" rtlCol="0">
+            <a:spAutoFit/>
+          </a:bodyPr>
+          <a:lstStyle/>
+          <a:p>
+            <a:r>
+              <a:rPr lang="en-US" sz="1200" dirty="0" err="1" smtClean="0">
+                <a:latin typeface="Times New Roman"/>
+                <a:cs typeface="Times New Roman"/>
+              </a:rPr>
+              <a:t>batchPre</a:t>
+            </a:r>
+            <a:r>
+              <a:rPr lang="en-US" sz="1200" dirty="0" smtClean="0">
+                <a:latin typeface="Times New Roman"/>
+                <a:cs typeface="Times New Roman"/>
+              </a:rPr>
+              <a:t>=$INSTALL_DIR/bin/</a:t>
+            </a:r>
+            <a:r>
+              <a:rPr lang="en-US" sz="1200" dirty="0" err="1" smtClean="0">
+                <a:latin typeface="Times New Roman"/>
+                <a:cs typeface="Times New Roman"/>
+              </a:rPr>
+              <a:t>cluster.batch.wrapper</a:t>
+            </a:r>
+            <a:r>
+              <a:rPr lang="en-US" sz="1200" dirty="0" smtClean="0">
+                <a:latin typeface="Times New Roman"/>
+                <a:cs typeface="Times New Roman"/>
+              </a:rPr>
+              <a:t> -scheduler="@</a:t>
+            </a:r>
+            <a:r>
+              <a:rPr lang="en-US" sz="1200" dirty="0" err="1" smtClean="0">
+                <a:latin typeface="Times New Roman"/>
+                <a:cs typeface="Times New Roman"/>
+              </a:rPr>
+              <a:t>batchScheduler</a:t>
+            </a:r>
+            <a:r>
+              <a:rPr lang="en-US" sz="1200" dirty="0" smtClean="0">
+                <a:latin typeface="Times New Roman"/>
+                <a:cs typeface="Times New Roman"/>
+              </a:rPr>
+              <a:t>@"</a:t>
+            </a:r>
+            <a:endParaRPr lang="en-US" sz="1200" dirty="0">
+              <a:latin typeface="Times New Roman"/>
+              <a:cs typeface="Times New Roman"/>
+            </a:endParaRPr>
+          </a:p>
+        </p:txBody>
+      </p:sp>
     </p:spTree>
   </p:cSld>
   <p:clrMapOvr>
@@ -7510,195 +7664,7 @@
   <p:timing>
     <p:tnLst>
       <p:par>
-        <p:cTn id="1" dur="indefinite" restart="never" nodeType="tmRoot">
-          <p:childTnLst>
-            <p:seq concurrent="1" nextAc="seek">
-              <p:cTn id="2" dur="indefinite" nodeType="mainSeq">
-                <p:childTnLst>
-                  <p:par>
-                    <p:cTn id="3" fill="hold">
-                      <p:stCondLst>
-                        <p:cond delay="indefinite"/>
-                        <p:cond evt="onBegin" delay="0">
-                          <p:tn val="2"/>
-                        </p:cond>
-                      </p:stCondLst>
-                      <p:childTnLst>
-                        <p:par>
-                          <p:cTn id="4" fill="hold">
-                            <p:stCondLst>
-                              <p:cond delay="0"/>
-                            </p:stCondLst>
-                            <p:childTnLst>
-                              <p:par>
-                                <p:cTn id="5" presetID="1" presetClass="entr" presetSubtype="0" fill="hold" nodeType="withEffect">
-                                  <p:stCondLst>
-                                    <p:cond delay="0"/>
-                                  </p:stCondLst>
-                                  <p:childTnLst>
-                                    <p:set>
-                                      <p:cBhvr>
-                                        <p:cTn id="6" dur="1" fill="hold">
-                                          <p:stCondLst>
-                                            <p:cond delay="0"/>
-                                          </p:stCondLst>
-                                        </p:cTn>
-                                        <p:tgtEl>
-                                          <p:spTgt spid="11"/>
-                                        </p:tgtEl>
-                                        <p:attrNameLst>
-                                          <p:attrName>style.visibility</p:attrName>
-                                        </p:attrNameLst>
-                                      </p:cBhvr>
-                                      <p:to>
-                                        <p:strVal val="visible"/>
-                                      </p:to>
-                                    </p:set>
-                                  </p:childTnLst>
-                                </p:cTn>
-                              </p:par>
-                            </p:childTnLst>
-                          </p:cTn>
-                        </p:par>
-                      </p:childTnLst>
-                    </p:cTn>
-                  </p:par>
-                  <p:par>
-                    <p:cTn id="7" fill="hold">
-                      <p:stCondLst>
-                        <p:cond delay="indefinite"/>
-                      </p:stCondLst>
-                      <p:childTnLst>
-                        <p:par>
-                          <p:cTn id="8" fill="hold">
-                            <p:stCondLst>
-                              <p:cond delay="0"/>
-                            </p:stCondLst>
-                            <p:childTnLst>
-                              <p:par>
-                                <p:cTn id="9" presetID="1" presetClass="exit" presetSubtype="0" fill="hold" nodeType="clickEffect">
-                                  <p:stCondLst>
-                                    <p:cond delay="0"/>
-                                  </p:stCondLst>
-                                  <p:childTnLst>
-                                    <p:set>
-                                      <p:cBhvr>
-                                        <p:cTn id="10" dur="1" fill="hold">
-                                          <p:stCondLst>
-                                            <p:cond delay="0"/>
-                                          </p:stCondLst>
-                                        </p:cTn>
-                                        <p:tgtEl>
-                                          <p:spTgt spid="11"/>
-                                        </p:tgtEl>
-                                        <p:attrNameLst>
-                                          <p:attrName>style.visibility</p:attrName>
-                                        </p:attrNameLst>
-                                      </p:cBhvr>
-                                      <p:to>
-                                        <p:strVal val="hidden"/>
-                                      </p:to>
-                                    </p:set>
-                                  </p:childTnLst>
-                                </p:cTn>
-                              </p:par>
-                              <p:par>
-                                <p:cTn id="11" presetID="1" presetClass="entr" presetSubtype="0" fill="hold" nodeType="withEffect">
-                                  <p:stCondLst>
-                                    <p:cond delay="0"/>
-                                  </p:stCondLst>
-                                  <p:childTnLst>
-                                    <p:set>
-                                      <p:cBhvr>
-                                        <p:cTn id="12" dur="1" fill="hold">
-                                          <p:stCondLst>
-                                            <p:cond delay="0"/>
-                                          </p:stCondLst>
-                                        </p:cTn>
-                                        <p:tgtEl>
-                                          <p:spTgt spid="16"/>
-                                        </p:tgtEl>
-                                        <p:attrNameLst>
-                                          <p:attrName>style.visibility</p:attrName>
-                                        </p:attrNameLst>
-                                      </p:cBhvr>
-                                      <p:to>
-                                        <p:strVal val="visible"/>
-                                      </p:to>
-                                    </p:set>
-                                  </p:childTnLst>
-                                </p:cTn>
-                              </p:par>
-                            </p:childTnLst>
-                          </p:cTn>
-                        </p:par>
-                      </p:childTnLst>
-                    </p:cTn>
-                  </p:par>
-                  <p:par>
-                    <p:cTn id="13" fill="hold">
-                      <p:stCondLst>
-                        <p:cond delay="indefinite"/>
-                      </p:stCondLst>
-                      <p:childTnLst>
-                        <p:par>
-                          <p:cTn id="14" fill="hold">
-                            <p:stCondLst>
-                              <p:cond delay="0"/>
-                            </p:stCondLst>
-                            <p:childTnLst>
-                              <p:par>
-                                <p:cTn id="15" presetID="1" presetClass="exit" presetSubtype="0" fill="hold" nodeType="clickEffect">
-                                  <p:stCondLst>
-                                    <p:cond delay="0"/>
-                                  </p:stCondLst>
-                                  <p:childTnLst>
-                                    <p:set>
-                                      <p:cBhvr>
-                                        <p:cTn id="16" dur="1" fill="hold">
-                                          <p:stCondLst>
-                                            <p:cond delay="0"/>
-                                          </p:stCondLst>
-                                        </p:cTn>
-                                        <p:tgtEl>
-                                          <p:spTgt spid="16"/>
-                                        </p:tgtEl>
-                                        <p:attrNameLst>
-                                          <p:attrName>style.visibility</p:attrName>
-                                        </p:attrNameLst>
-                                      </p:cBhvr>
-                                      <p:to>
-                                        <p:strVal val="hidden"/>
-                                      </p:to>
-                                    </p:set>
-                                  </p:childTnLst>
-                                </p:cTn>
-                              </p:par>
-                            </p:childTnLst>
-                          </p:cTn>
-                        </p:par>
-                      </p:childTnLst>
-                    </p:cTn>
-                  </p:par>
-                </p:childTnLst>
-              </p:cTn>
-              <p:prevCondLst>
-                <p:cond evt="onPrev" delay="0">
-                  <p:tgtEl>
-                    <p:sldTgt/>
-                  </p:tgtEl>
-                </p:cond>
-              </p:prevCondLst>
-              <p:nextCondLst>
-                <p:cond evt="onNext" delay="0">
-                  <p:tgtEl>
-                    <p:sldTgt/>
-                  </p:tgtEl>
-                </p:cond>
-              </p:nextCondLst>
-            </p:seq>
-          </p:childTnLst>
-        </p:cTn>
+        <p:cTn id="1" dur="indefinite" restart="never" nodeType="tmRoot"/>
       </p:par>
     </p:tnLst>
   </p:timing>
@@ -7865,6 +7831,13 @@
   <p:clrMapOvr>
     <a:masterClrMapping/>
   </p:clrMapOvr>
+  <p:timing>
+    <p:tnLst>
+      <p:par>
+        <p:cTn id="1" dur="indefinite" restart="never" nodeType="tmRoot"/>
+      </p:par>
+    </p:tnLst>
+  </p:timing>
 </p:sld>
 </file>
 
@@ -8945,6 +8918,19 @@
                         <a:tabLst/>
                       </a:pPr>
                       <a:r>
+                        <a:rPr kumimoji="0" lang="en-US" sz="2400" b="0" i="0" u="none" strike="noStrike" cap="none" normalizeH="0" baseline="0" dirty="0">
+                          <a:ln>
+                            <a:noFill/>
+                          </a:ln>
+                          <a:solidFill>
+                            <a:schemeClr val="tx1"/>
+                          </a:solidFill>
+                          <a:effectLst/>
+                          <a:latin typeface="Times New Roman" charset="0"/>
+                        </a:rPr>
+                        <a:t>Hands-on: </a:t>
+                      </a:r>
+                      <a:r>
                         <a:rPr kumimoji="0" lang="en-US" sz="2400" b="0" i="0" u="none" strike="noStrike" cap="none" normalizeH="0" baseline="0">
                           <a:ln>
                             <a:noFill/>
@@ -8955,8 +8941,31 @@
                           <a:effectLst/>
                           <a:latin typeface="Times New Roman" charset="0"/>
                         </a:rPr>
-                        <a:t>Hands-on: Inca deployment (part 1)</a:t>
+                        <a:t>Inca </a:t>
                       </a:r>
+                      <a:r>
+                        <a:rPr kumimoji="0" lang="en-US" sz="2400" b="0" i="0" u="none" strike="noStrike" cap="none" normalizeH="0" baseline="0" smtClean="0">
+                          <a:ln>
+                            <a:noFill/>
+                          </a:ln>
+                          <a:solidFill>
+                            <a:schemeClr val="tx1"/>
+                          </a:solidFill>
+                          <a:effectLst/>
+                          <a:latin typeface="Times New Roman" charset="0"/>
+                        </a:rPr>
+                        <a:t>deployment</a:t>
+                      </a:r>
+                      <a:endParaRPr kumimoji="0" lang="en-US" sz="2400" b="0" i="0" u="none" strike="noStrike" cap="none" normalizeH="0" baseline="0">
+                        <a:ln>
+                          <a:noFill/>
+                        </a:ln>
+                        <a:solidFill>
+                          <a:schemeClr val="tx1"/>
+                        </a:solidFill>
+                        <a:effectLst/>
+                        <a:latin typeface="Times New Roman" charset="0"/>
+                      </a:endParaRPr>
                     </a:p>
                   </a:txBody>
                   <a:tcPr horzOverflow="overflow">
@@ -9063,12 +9072,12 @@
           <a:lstStyle/>
           <a:p>
             <a:r>
-              <a:rPr lang="en-US" i="0">
+              <a:rPr lang="en-US" i="0" dirty="0" err="1">
                 <a:latin typeface="Times New Roman" charset="0"/>
               </a:rPr>
               <a:t>incat</a:t>
             </a:r>
-            <a:endParaRPr lang="en-US">
+            <a:endParaRPr lang="en-US" dirty="0">
               <a:latin typeface="Times New Roman" charset="0"/>
             </a:endParaRPr>
           </a:p>
@@ -11281,12 +11290,18 @@
           <a:lstStyle/>
           <a:p>
             <a:r>
-              <a:rPr lang="en-US" i="0">
-                <a:latin typeface="Times New Roman" charset="0"/>
-              </a:rPr>
-              <a:t>incat Display</a:t>
-            </a:r>
-            <a:endParaRPr lang="en-US">
+              <a:rPr lang="en-US" i="0" dirty="0" err="1">
+                <a:latin typeface="Times New Roman" charset="0"/>
+              </a:rPr>
+              <a:t>incat</a:t>
+            </a:r>
+            <a:r>
+              <a:rPr lang="en-US" i="0" dirty="0">
+                <a:latin typeface="Times New Roman" charset="0"/>
+              </a:rPr>
+              <a:t> Display</a:t>
+            </a:r>
+            <a:endParaRPr lang="en-US" dirty="0">
               <a:latin typeface="Times New Roman" charset="0"/>
             </a:endParaRPr>
           </a:p>
@@ -11318,7 +11333,7 @@
               </a:lnSpc>
             </a:pPr>
             <a:r>
-              <a:rPr lang="en-US" sz="2000" b="0">
+              <a:rPr lang="en-US" sz="2000" b="0" dirty="0">
                 <a:latin typeface="Times New Roman" charset="0"/>
               </a:rPr>
               <a:t>Tabs for repositories, resources, and suites</a:t>
@@ -11331,7 +11346,7 @@
               </a:lnSpc>
             </a:pPr>
             <a:r>
-              <a:rPr lang="en-US" sz="2000" b="0">
+              <a:rPr lang="en-US" sz="2000" b="0" dirty="0">
                 <a:latin typeface="Times New Roman" charset="0"/>
               </a:rPr>
               <a:t>File Open/Save/Save As menu</a:t>
@@ -11344,7 +11359,7 @@
               </a:lnSpc>
             </a:pPr>
             <a:r>
-              <a:rPr lang="en-US" sz="2000" b="0">
+              <a:rPr lang="en-US" sz="2000" b="0" dirty="0">
                 <a:latin typeface="Times New Roman" charset="0"/>
               </a:rPr>
               <a:t>Edit menu supports modifying and searching selected panel</a:t>
@@ -11357,7 +11372,7 @@
               </a:lnSpc>
             </a:pPr>
             <a:r>
-              <a:rPr lang="en-US" sz="2000" b="0">
+              <a:rPr lang="en-US" sz="2000" b="0" dirty="0">
                 <a:latin typeface="Times New Roman" charset="0"/>
               </a:rPr>
               <a:t>Agent/Commit sends Inca deployment configuration to Agent</a:t>
@@ -11370,7 +11385,7 @@
               </a:lnSpc>
             </a:pPr>
             <a:r>
-              <a:rPr lang="en-US" sz="2000" b="0">
+              <a:rPr lang="en-US" sz="2000" b="0" dirty="0">
                 <a:latin typeface="Times New Roman" charset="0"/>
               </a:rPr>
               <a:t>Online user’s guide via Help menu</a:t>
